--- a/exercises/pipes-and-filters-exercise.pptx
+++ b/exercises/pipes-and-filters-exercise.pptx
@@ -5,7 +5,7 @@
     <p:sldMasterId id="2147483648" r:id="rId1"/>
   </p:sldMasterIdLst>
   <p:notesMasterIdLst>
-    <p:notesMasterId r:id="rId11"/>
+    <p:notesMasterId r:id="rId15"/>
   </p:notesMasterIdLst>
   <p:sldIdLst>
     <p:sldId id="256" r:id="rId2"/>
@@ -17,6 +17,10 @@
     <p:sldId id="270" r:id="rId8"/>
     <p:sldId id="265" r:id="rId9"/>
     <p:sldId id="271" r:id="rId10"/>
+    <p:sldId id="272" r:id="rId11"/>
+    <p:sldId id="273" r:id="rId12"/>
+    <p:sldId id="274" r:id="rId13"/>
+    <p:sldId id="275" r:id="rId14"/>
   </p:sldIdLst>
   <p:sldSz cx="12192000" cy="6858000"/>
   <p:notesSz cx="6858000" cy="9144000"/>
@@ -205,7 +209,7 @@
           <a:p>
             <a:fld id="{3345CEC6-BF2C-E74B-AE11-7B072D994E51}" type="datetimeFigureOut">
               <a:rPr lang="en-US" smtClean="0"/>
-              <a:t>7/26/20</a:t>
+              <a:t>1/27/24</a:t>
             </a:fld>
             <a:endParaRPr lang="en-US"/>
           </a:p>
@@ -706,7 +710,7 @@
           <a:p>
             <a:fld id="{F908435A-6143-3B4B-A8F0-F39ACA6FCC4F}" type="datetimeFigureOut">
               <a:rPr lang="en-US" smtClean="0"/>
-              <a:t>7/26/20</a:t>
+              <a:t>1/27/24</a:t>
             </a:fld>
             <a:endParaRPr lang="en-US"/>
           </a:p>
@@ -906,7 +910,7 @@
           <a:p>
             <a:fld id="{F908435A-6143-3B4B-A8F0-F39ACA6FCC4F}" type="datetimeFigureOut">
               <a:rPr lang="en-US" smtClean="0"/>
-              <a:t>7/26/20</a:t>
+              <a:t>1/27/24</a:t>
             </a:fld>
             <a:endParaRPr lang="en-US"/>
           </a:p>
@@ -1116,7 +1120,7 @@
           <a:p>
             <a:fld id="{F908435A-6143-3B4B-A8F0-F39ACA6FCC4F}" type="datetimeFigureOut">
               <a:rPr lang="en-US" smtClean="0"/>
-              <a:t>7/26/20</a:t>
+              <a:t>1/27/24</a:t>
             </a:fld>
             <a:endParaRPr lang="en-US"/>
           </a:p>
@@ -1316,7 +1320,7 @@
           <a:p>
             <a:fld id="{F908435A-6143-3B4B-A8F0-F39ACA6FCC4F}" type="datetimeFigureOut">
               <a:rPr lang="en-US" smtClean="0"/>
-              <a:t>7/26/20</a:t>
+              <a:t>1/27/24</a:t>
             </a:fld>
             <a:endParaRPr lang="en-US"/>
           </a:p>
@@ -1592,7 +1596,7 @@
           <a:p>
             <a:fld id="{F908435A-6143-3B4B-A8F0-F39ACA6FCC4F}" type="datetimeFigureOut">
               <a:rPr lang="en-US" smtClean="0"/>
-              <a:t>7/26/20</a:t>
+              <a:t>1/27/24</a:t>
             </a:fld>
             <a:endParaRPr lang="en-US"/>
           </a:p>
@@ -1860,7 +1864,7 @@
           <a:p>
             <a:fld id="{F908435A-6143-3B4B-A8F0-F39ACA6FCC4F}" type="datetimeFigureOut">
               <a:rPr lang="en-US" smtClean="0"/>
-              <a:t>7/26/20</a:t>
+              <a:t>1/27/24</a:t>
             </a:fld>
             <a:endParaRPr lang="en-US"/>
           </a:p>
@@ -2275,7 +2279,7 @@
           <a:p>
             <a:fld id="{F908435A-6143-3B4B-A8F0-F39ACA6FCC4F}" type="datetimeFigureOut">
               <a:rPr lang="en-US" smtClean="0"/>
-              <a:t>7/26/20</a:t>
+              <a:t>1/27/24</a:t>
             </a:fld>
             <a:endParaRPr lang="en-US"/>
           </a:p>
@@ -2417,7 +2421,7 @@
           <a:p>
             <a:fld id="{F908435A-6143-3B4B-A8F0-F39ACA6FCC4F}" type="datetimeFigureOut">
               <a:rPr lang="en-US" smtClean="0"/>
-              <a:t>7/26/20</a:t>
+              <a:t>1/27/24</a:t>
             </a:fld>
             <a:endParaRPr lang="en-US"/>
           </a:p>
@@ -2530,7 +2534,7 @@
           <a:p>
             <a:fld id="{F908435A-6143-3B4B-A8F0-F39ACA6FCC4F}" type="datetimeFigureOut">
               <a:rPr lang="en-US" smtClean="0"/>
-              <a:t>7/26/20</a:t>
+              <a:t>1/27/24</a:t>
             </a:fld>
             <a:endParaRPr lang="en-US"/>
           </a:p>
@@ -2843,7 +2847,7 @@
           <a:p>
             <a:fld id="{F908435A-6143-3B4B-A8F0-F39ACA6FCC4F}" type="datetimeFigureOut">
               <a:rPr lang="en-US" smtClean="0"/>
-              <a:t>7/26/20</a:t>
+              <a:t>1/27/24</a:t>
             </a:fld>
             <a:endParaRPr lang="en-US"/>
           </a:p>
@@ -3132,7 +3136,7 @@
           <a:p>
             <a:fld id="{F908435A-6143-3B4B-A8F0-F39ACA6FCC4F}" type="datetimeFigureOut">
               <a:rPr lang="en-US" smtClean="0"/>
-              <a:t>7/26/20</a:t>
+              <a:t>1/27/24</a:t>
             </a:fld>
             <a:endParaRPr lang="en-US"/>
           </a:p>
@@ -3375,7 +3379,7 @@
           <a:p>
             <a:fld id="{F908435A-6143-3B4B-A8F0-F39ACA6FCC4F}" type="datetimeFigureOut">
               <a:rPr lang="en-US" smtClean="0"/>
-              <a:t>7/26/20</a:t>
+              <a:t>1/27/24</a:t>
             </a:fld>
             <a:endParaRPr lang="en-US"/>
           </a:p>
@@ -3852,6 +3856,686 @@
     <p:extLst>
       <p:ext uri="{BB962C8B-B14F-4D97-AF65-F5344CB8AC3E}">
         <p14:creationId xmlns:p14="http://schemas.microsoft.com/office/powerpoint/2010/main" val="2992376258"/>
+      </p:ext>
+    </p:extLst>
+  </p:cSld>
+  <p:clrMapOvr>
+    <a:masterClrMapping/>
+  </p:clrMapOvr>
+</p:sld>
+</file>
+
+<file path=ppt/slides/slide10.xml><?xml version="1.0" encoding="utf-8"?>
+<p:sld xmlns:a="http://schemas.openxmlformats.org/drawingml/2006/main" xmlns:r="http://schemas.openxmlformats.org/officeDocument/2006/relationships" xmlns:p="http://schemas.openxmlformats.org/presentationml/2006/main">
+  <p:cSld>
+    <p:spTree>
+      <p:nvGrpSpPr>
+        <p:cNvPr id="1" name=""/>
+        <p:cNvGrpSpPr/>
+        <p:nvPr/>
+      </p:nvGrpSpPr>
+      <p:grpSpPr>
+        <a:xfrm>
+          <a:off x="0" y="0"/>
+          <a:ext cx="0" cy="0"/>
+          <a:chOff x="0" y="0"/>
+          <a:chExt cx="0" cy="0"/>
+        </a:xfrm>
+      </p:grpSpPr>
+      <p:sp>
+        <p:nvSpPr>
+          <p:cNvPr id="2" name="Title 1">
+            <a:extLst>
+              <a:ext uri="{FF2B5EF4-FFF2-40B4-BE49-F238E27FC236}">
+                <a16:creationId xmlns:a16="http://schemas.microsoft.com/office/drawing/2014/main" id="{6903090A-A2F8-3245-83D2-906C40387AE6}"/>
+              </a:ext>
+            </a:extLst>
+          </p:cNvPr>
+          <p:cNvSpPr>
+            <a:spLocks noGrp="1"/>
+          </p:cNvSpPr>
+          <p:nvPr>
+            <p:ph type="title"/>
+          </p:nvPr>
+        </p:nvSpPr>
+        <p:spPr>
+          <a:xfrm>
+            <a:off x="920393" y="2820650"/>
+            <a:ext cx="10515600" cy="1019317"/>
+          </a:xfrm>
+        </p:spPr>
+        <p:txBody>
+          <a:bodyPr/>
+          <a:lstStyle/>
+          <a:p>
+            <a:pPr algn="ctr"/>
+            <a:r>
+              <a:rPr lang="en-US" dirty="0"/>
+              <a:t>Java</a:t>
+            </a:r>
+          </a:p>
+        </p:txBody>
+      </p:sp>
+    </p:spTree>
+    <p:extLst>
+      <p:ext uri="{BB962C8B-B14F-4D97-AF65-F5344CB8AC3E}">
+        <p14:creationId xmlns:p14="http://schemas.microsoft.com/office/powerpoint/2010/main" val="2024937394"/>
+      </p:ext>
+    </p:extLst>
+  </p:cSld>
+  <p:clrMapOvr>
+    <a:masterClrMapping/>
+  </p:clrMapOvr>
+</p:sld>
+</file>
+
+<file path=ppt/slides/slide11.xml><?xml version="1.0" encoding="utf-8"?>
+<p:sld xmlns:a="http://schemas.openxmlformats.org/drawingml/2006/main" xmlns:r="http://schemas.openxmlformats.org/officeDocument/2006/relationships" xmlns:p="http://schemas.openxmlformats.org/presentationml/2006/main">
+  <p:cSld>
+    <p:spTree>
+      <p:nvGrpSpPr>
+        <p:cNvPr id="1" name=""/>
+        <p:cNvGrpSpPr/>
+        <p:nvPr/>
+      </p:nvGrpSpPr>
+      <p:grpSpPr>
+        <a:xfrm>
+          <a:off x="0" y="0"/>
+          <a:ext cx="0" cy="0"/>
+          <a:chOff x="0" y="0"/>
+          <a:chExt cx="0" cy="0"/>
+        </a:xfrm>
+      </p:grpSpPr>
+      <p:pic>
+        <p:nvPicPr>
+          <p:cNvPr id="5" name="Picture 4">
+            <a:extLst>
+              <a:ext uri="{FF2B5EF4-FFF2-40B4-BE49-F238E27FC236}">
+                <a16:creationId xmlns:a16="http://schemas.microsoft.com/office/drawing/2014/main" id="{A1A21F19-C25F-0CD9-596A-BF5820D6AD8A}"/>
+              </a:ext>
+            </a:extLst>
+          </p:cNvPr>
+          <p:cNvPicPr>
+            <a:picLocks noChangeAspect="1"/>
+          </p:cNvPicPr>
+          <p:nvPr/>
+        </p:nvPicPr>
+        <p:blipFill>
+          <a:blip r:embed="rId2"/>
+          <a:stretch>
+            <a:fillRect/>
+          </a:stretch>
+        </p:blipFill>
+        <p:spPr>
+          <a:xfrm>
+            <a:off x="204897" y="1282661"/>
+            <a:ext cx="11987103" cy="4292678"/>
+          </a:xfrm>
+          <a:prstGeom prst="rect">
+            <a:avLst/>
+          </a:prstGeom>
+        </p:spPr>
+      </p:pic>
+      <p:sp>
+        <p:nvSpPr>
+          <p:cNvPr id="10" name="Line Callout 1 9">
+            <a:extLst>
+              <a:ext uri="{FF2B5EF4-FFF2-40B4-BE49-F238E27FC236}">
+                <a16:creationId xmlns:a16="http://schemas.microsoft.com/office/drawing/2014/main" id="{1816F615-EFAF-AA6F-1DE4-904ECE73173C}"/>
+              </a:ext>
+            </a:extLst>
+          </p:cNvPr>
+          <p:cNvSpPr/>
+          <p:nvPr/>
+        </p:nvSpPr>
+        <p:spPr>
+          <a:xfrm>
+            <a:off x="8252396" y="909348"/>
+            <a:ext cx="2738284" cy="746625"/>
+          </a:xfrm>
+          <a:prstGeom prst="borderCallout1">
+            <a:avLst>
+              <a:gd name="adj1" fmla="val 18750"/>
+              <a:gd name="adj2" fmla="val -8333"/>
+              <a:gd name="adj3" fmla="val 115884"/>
+              <a:gd name="adj4" fmla="val -152616"/>
+            </a:avLst>
+          </a:prstGeom>
+        </p:spPr>
+        <p:style>
+          <a:lnRef idx="2">
+            <a:schemeClr val="accent1">
+              <a:shade val="50000"/>
+            </a:schemeClr>
+          </a:lnRef>
+          <a:fillRef idx="1">
+            <a:schemeClr val="accent1"/>
+          </a:fillRef>
+          <a:effectRef idx="0">
+            <a:schemeClr val="accent1"/>
+          </a:effectRef>
+          <a:fontRef idx="minor">
+            <a:schemeClr val="lt1"/>
+          </a:fontRef>
+        </p:style>
+        <p:txBody>
+          <a:bodyPr rtlCol="0" anchor="ctr"/>
+          <a:lstStyle/>
+          <a:p>
+            <a:pPr algn="ctr"/>
+            <a:r>
+              <a:rPr lang="en-US" dirty="0"/>
+              <a:t>We are running a message pump</a:t>
+            </a:r>
+          </a:p>
+        </p:txBody>
+      </p:sp>
+      <p:sp>
+        <p:nvSpPr>
+          <p:cNvPr id="11" name="Line Callout 1 10">
+            <a:extLst>
+              <a:ext uri="{FF2B5EF4-FFF2-40B4-BE49-F238E27FC236}">
+                <a16:creationId xmlns:a16="http://schemas.microsoft.com/office/drawing/2014/main" id="{79DEF201-8240-84BA-CA59-6A33F4FB8F27}"/>
+              </a:ext>
+            </a:extLst>
+          </p:cNvPr>
+          <p:cNvSpPr/>
+          <p:nvPr/>
+        </p:nvSpPr>
+        <p:spPr>
+          <a:xfrm>
+            <a:off x="8252396" y="1864937"/>
+            <a:ext cx="2738284" cy="746625"/>
+          </a:xfrm>
+          <a:prstGeom prst="borderCallout1">
+            <a:avLst>
+              <a:gd name="adj1" fmla="val 18750"/>
+              <a:gd name="adj2" fmla="val -8333"/>
+              <a:gd name="adj3" fmla="val 23203"/>
+              <a:gd name="adj4" fmla="val -118772"/>
+            </a:avLst>
+          </a:prstGeom>
+        </p:spPr>
+        <p:style>
+          <a:lnRef idx="2">
+            <a:schemeClr val="accent1">
+              <a:shade val="50000"/>
+            </a:schemeClr>
+          </a:lnRef>
+          <a:fillRef idx="1">
+            <a:schemeClr val="accent1"/>
+          </a:fillRef>
+          <a:effectRef idx="0">
+            <a:schemeClr val="accent1"/>
+          </a:effectRef>
+          <a:fontRef idx="minor">
+            <a:schemeClr val="lt1"/>
+          </a:fontRef>
+        </p:style>
+        <p:txBody>
+          <a:bodyPr rtlCol="0" anchor="ctr"/>
+          <a:lstStyle/>
+          <a:p>
+            <a:pPr algn="ctr"/>
+            <a:r>
+              <a:rPr lang="en-US" dirty="0"/>
+              <a:t>We receive on the in port</a:t>
+            </a:r>
+          </a:p>
+        </p:txBody>
+      </p:sp>
+      <p:sp>
+        <p:nvSpPr>
+          <p:cNvPr id="12" name="Line Callout 1 11">
+            <a:extLst>
+              <a:ext uri="{FF2B5EF4-FFF2-40B4-BE49-F238E27FC236}">
+                <a16:creationId xmlns:a16="http://schemas.microsoft.com/office/drawing/2014/main" id="{61E5B6BF-F7C7-3761-7283-F252B9E630F2}"/>
+              </a:ext>
+            </a:extLst>
+          </p:cNvPr>
+          <p:cNvSpPr/>
+          <p:nvPr/>
+        </p:nvSpPr>
+        <p:spPr>
+          <a:xfrm>
+            <a:off x="8252396" y="3414405"/>
+            <a:ext cx="2738284" cy="746625"/>
+          </a:xfrm>
+          <a:prstGeom prst="borderCallout1">
+            <a:avLst>
+              <a:gd name="adj1" fmla="val 18750"/>
+              <a:gd name="adj2" fmla="val -8333"/>
+              <a:gd name="adj3" fmla="val -90993"/>
+              <a:gd name="adj4" fmla="val -94855"/>
+            </a:avLst>
+          </a:prstGeom>
+        </p:spPr>
+        <p:style>
+          <a:lnRef idx="2">
+            <a:schemeClr val="accent1">
+              <a:shade val="50000"/>
+            </a:schemeClr>
+          </a:lnRef>
+          <a:fillRef idx="1">
+            <a:schemeClr val="accent1"/>
+          </a:fillRef>
+          <a:effectRef idx="0">
+            <a:schemeClr val="accent1"/>
+          </a:effectRef>
+          <a:fontRef idx="minor">
+            <a:schemeClr val="lt1"/>
+          </a:fontRef>
+        </p:style>
+        <p:txBody>
+          <a:bodyPr rtlCol="0" anchor="ctr"/>
+          <a:lstStyle/>
+          <a:p>
+            <a:pPr algn="ctr"/>
+            <a:r>
+              <a:rPr lang="en-US" dirty="0"/>
+              <a:t>A handler transforms the code</a:t>
+            </a:r>
+          </a:p>
+        </p:txBody>
+      </p:sp>
+      <p:sp>
+        <p:nvSpPr>
+          <p:cNvPr id="13" name="Line Callout 1 12">
+            <a:extLst>
+              <a:ext uri="{FF2B5EF4-FFF2-40B4-BE49-F238E27FC236}">
+                <a16:creationId xmlns:a16="http://schemas.microsoft.com/office/drawing/2014/main" id="{590CD681-27C7-B647-014B-8413CAF8867A}"/>
+              </a:ext>
+            </a:extLst>
+          </p:cNvPr>
+          <p:cNvSpPr/>
+          <p:nvPr/>
+        </p:nvSpPr>
+        <p:spPr>
+          <a:xfrm>
+            <a:off x="8252396" y="4717856"/>
+            <a:ext cx="2738284" cy="746625"/>
+          </a:xfrm>
+          <a:prstGeom prst="borderCallout1">
+            <a:avLst>
+              <a:gd name="adj1" fmla="val 18750"/>
+              <a:gd name="adj2" fmla="val -8333"/>
+              <a:gd name="adj3" fmla="val -168779"/>
+              <a:gd name="adj4" fmla="val -123285"/>
+            </a:avLst>
+          </a:prstGeom>
+        </p:spPr>
+        <p:style>
+          <a:lnRef idx="2">
+            <a:schemeClr val="accent1">
+              <a:shade val="50000"/>
+            </a:schemeClr>
+          </a:lnRef>
+          <a:fillRef idx="1">
+            <a:schemeClr val="accent1"/>
+          </a:fillRef>
+          <a:effectRef idx="0">
+            <a:schemeClr val="accent1"/>
+          </a:effectRef>
+          <a:fontRef idx="minor">
+            <a:schemeClr val="lt1"/>
+          </a:fontRef>
+        </p:style>
+        <p:txBody>
+          <a:bodyPr rtlCol="0" anchor="ctr"/>
+          <a:lstStyle/>
+          <a:p>
+            <a:pPr algn="ctr"/>
+            <a:r>
+              <a:rPr lang="en-US" dirty="0"/>
+              <a:t>We forward on the out port</a:t>
+            </a:r>
+          </a:p>
+        </p:txBody>
+      </p:sp>
+    </p:spTree>
+    <p:extLst>
+      <p:ext uri="{BB962C8B-B14F-4D97-AF65-F5344CB8AC3E}">
+        <p14:creationId xmlns:p14="http://schemas.microsoft.com/office/powerpoint/2010/main" val="845311365"/>
+      </p:ext>
+    </p:extLst>
+  </p:cSld>
+  <p:clrMapOvr>
+    <a:masterClrMapping/>
+  </p:clrMapOvr>
+</p:sld>
+</file>
+
+<file path=ppt/slides/slide12.xml><?xml version="1.0" encoding="utf-8"?>
+<p:sld xmlns:a="http://schemas.openxmlformats.org/drawingml/2006/main" xmlns:r="http://schemas.openxmlformats.org/officeDocument/2006/relationships" xmlns:p="http://schemas.openxmlformats.org/presentationml/2006/main">
+  <p:cSld>
+    <p:spTree>
+      <p:nvGrpSpPr>
+        <p:cNvPr id="1" name=""/>
+        <p:cNvGrpSpPr/>
+        <p:nvPr/>
+      </p:nvGrpSpPr>
+      <p:grpSpPr>
+        <a:xfrm>
+          <a:off x="0" y="0"/>
+          <a:ext cx="0" cy="0"/>
+          <a:chOff x="0" y="0"/>
+          <a:chExt cx="0" cy="0"/>
+        </a:xfrm>
+      </p:grpSpPr>
+      <p:sp>
+        <p:nvSpPr>
+          <p:cNvPr id="2" name="Title 1">
+            <a:extLst>
+              <a:ext uri="{FF2B5EF4-FFF2-40B4-BE49-F238E27FC236}">
+                <a16:creationId xmlns:a16="http://schemas.microsoft.com/office/drawing/2014/main" id="{6903090A-A2F8-3245-83D2-906C40387AE6}"/>
+              </a:ext>
+            </a:extLst>
+          </p:cNvPr>
+          <p:cNvSpPr>
+            <a:spLocks noGrp="1"/>
+          </p:cNvSpPr>
+          <p:nvPr>
+            <p:ph type="title"/>
+          </p:nvPr>
+        </p:nvSpPr>
+        <p:spPr>
+          <a:xfrm>
+            <a:off x="920393" y="2820650"/>
+            <a:ext cx="10515600" cy="1019317"/>
+          </a:xfrm>
+        </p:spPr>
+        <p:txBody>
+          <a:bodyPr/>
+          <a:lstStyle/>
+          <a:p>
+            <a:pPr algn="ctr"/>
+            <a:r>
+              <a:rPr lang="en-US" dirty="0"/>
+              <a:t>Go</a:t>
+            </a:r>
+          </a:p>
+        </p:txBody>
+      </p:sp>
+    </p:spTree>
+    <p:extLst>
+      <p:ext uri="{BB962C8B-B14F-4D97-AF65-F5344CB8AC3E}">
+        <p14:creationId xmlns:p14="http://schemas.microsoft.com/office/powerpoint/2010/main" val="2014518153"/>
+      </p:ext>
+    </p:extLst>
+  </p:cSld>
+  <p:clrMapOvr>
+    <a:masterClrMapping/>
+  </p:clrMapOvr>
+</p:sld>
+</file>
+
+<file path=ppt/slides/slide13.xml><?xml version="1.0" encoding="utf-8"?>
+<p:sld xmlns:a="http://schemas.openxmlformats.org/drawingml/2006/main" xmlns:r="http://schemas.openxmlformats.org/officeDocument/2006/relationships" xmlns:p="http://schemas.openxmlformats.org/presentationml/2006/main">
+  <p:cSld>
+    <p:spTree>
+      <p:nvGrpSpPr>
+        <p:cNvPr id="1" name=""/>
+        <p:cNvGrpSpPr/>
+        <p:nvPr/>
+      </p:nvGrpSpPr>
+      <p:grpSpPr>
+        <a:xfrm>
+          <a:off x="0" y="0"/>
+          <a:ext cx="0" cy="0"/>
+          <a:chOff x="0" y="0"/>
+          <a:chExt cx="0" cy="0"/>
+        </a:xfrm>
+      </p:grpSpPr>
+      <p:pic>
+        <p:nvPicPr>
+          <p:cNvPr id="5" name="Picture 4">
+            <a:extLst>
+              <a:ext uri="{FF2B5EF4-FFF2-40B4-BE49-F238E27FC236}">
+                <a16:creationId xmlns:a16="http://schemas.microsoft.com/office/drawing/2014/main" id="{FEBCA5D6-2EB4-CDDE-0810-7415A4D7DBB4}"/>
+              </a:ext>
+            </a:extLst>
+          </p:cNvPr>
+          <p:cNvPicPr>
+            <a:picLocks noChangeAspect="1"/>
+          </p:cNvPicPr>
+          <p:nvPr/>
+        </p:nvPicPr>
+        <p:blipFill>
+          <a:blip r:embed="rId2"/>
+          <a:stretch>
+            <a:fillRect/>
+          </a:stretch>
+        </p:blipFill>
+        <p:spPr>
+          <a:xfrm>
+            <a:off x="1930400" y="895350"/>
+            <a:ext cx="7772400" cy="4727420"/>
+          </a:xfrm>
+          <a:prstGeom prst="rect">
+            <a:avLst/>
+          </a:prstGeom>
+        </p:spPr>
+      </p:pic>
+      <p:sp>
+        <p:nvSpPr>
+          <p:cNvPr id="6" name="Line Callout 1 5">
+            <a:extLst>
+              <a:ext uri="{FF2B5EF4-FFF2-40B4-BE49-F238E27FC236}">
+                <a16:creationId xmlns:a16="http://schemas.microsoft.com/office/drawing/2014/main" id="{032CD530-C48D-202F-D89F-7E35904F6112}"/>
+              </a:ext>
+            </a:extLst>
+          </p:cNvPr>
+          <p:cNvSpPr/>
+          <p:nvPr/>
+        </p:nvSpPr>
+        <p:spPr>
+          <a:xfrm>
+            <a:off x="8078226" y="2512435"/>
+            <a:ext cx="2738284" cy="746625"/>
+          </a:xfrm>
+          <a:prstGeom prst="borderCallout1">
+            <a:avLst>
+              <a:gd name="adj1" fmla="val 18750"/>
+              <a:gd name="adj2" fmla="val -8333"/>
+              <a:gd name="adj3" fmla="val 115884"/>
+              <a:gd name="adj4" fmla="val -152616"/>
+            </a:avLst>
+          </a:prstGeom>
+        </p:spPr>
+        <p:style>
+          <a:lnRef idx="2">
+            <a:schemeClr val="accent1">
+              <a:shade val="50000"/>
+            </a:schemeClr>
+          </a:lnRef>
+          <a:fillRef idx="1">
+            <a:schemeClr val="accent1"/>
+          </a:fillRef>
+          <a:effectRef idx="0">
+            <a:schemeClr val="accent1"/>
+          </a:effectRef>
+          <a:fontRef idx="minor">
+            <a:schemeClr val="lt1"/>
+          </a:fontRef>
+        </p:style>
+        <p:txBody>
+          <a:bodyPr rtlCol="0" anchor="ctr"/>
+          <a:lstStyle/>
+          <a:p>
+            <a:pPr algn="ctr"/>
+            <a:r>
+              <a:rPr lang="en-US" dirty="0"/>
+              <a:t>We are running a message pump</a:t>
+            </a:r>
+          </a:p>
+        </p:txBody>
+      </p:sp>
+      <p:sp>
+        <p:nvSpPr>
+          <p:cNvPr id="7" name="Line Callout 1 6">
+            <a:extLst>
+              <a:ext uri="{FF2B5EF4-FFF2-40B4-BE49-F238E27FC236}">
+                <a16:creationId xmlns:a16="http://schemas.microsoft.com/office/drawing/2014/main" id="{F2690EE9-E909-2D9C-7F10-0193AAE1A442}"/>
+              </a:ext>
+            </a:extLst>
+          </p:cNvPr>
+          <p:cNvSpPr/>
+          <p:nvPr/>
+        </p:nvSpPr>
+        <p:spPr>
+          <a:xfrm>
+            <a:off x="8687825" y="727757"/>
+            <a:ext cx="2738284" cy="746625"/>
+          </a:xfrm>
+          <a:prstGeom prst="borderCallout1">
+            <a:avLst>
+              <a:gd name="adj1" fmla="val 115560"/>
+              <a:gd name="adj2" fmla="val 43824"/>
+              <a:gd name="adj3" fmla="val 238985"/>
+              <a:gd name="adj4" fmla="val -174427"/>
+            </a:avLst>
+          </a:prstGeom>
+        </p:spPr>
+        <p:style>
+          <a:lnRef idx="2">
+            <a:schemeClr val="accent1">
+              <a:shade val="50000"/>
+            </a:schemeClr>
+          </a:lnRef>
+          <a:fillRef idx="1">
+            <a:schemeClr val="accent1"/>
+          </a:fillRef>
+          <a:effectRef idx="0">
+            <a:schemeClr val="accent1"/>
+          </a:effectRef>
+          <a:fontRef idx="minor">
+            <a:schemeClr val="lt1"/>
+          </a:fontRef>
+        </p:style>
+        <p:txBody>
+          <a:bodyPr rtlCol="0" anchor="ctr"/>
+          <a:lstStyle/>
+          <a:p>
+            <a:pPr algn="ctr"/>
+            <a:r>
+              <a:rPr lang="en-US" dirty="0"/>
+              <a:t>We receive on the in port</a:t>
+            </a:r>
+          </a:p>
+        </p:txBody>
+      </p:sp>
+      <p:sp>
+        <p:nvSpPr>
+          <p:cNvPr id="8" name="Line Callout 1 7">
+            <a:extLst>
+              <a:ext uri="{FF2B5EF4-FFF2-40B4-BE49-F238E27FC236}">
+                <a16:creationId xmlns:a16="http://schemas.microsoft.com/office/drawing/2014/main" id="{F4DA5089-8D0B-E4BD-B37D-B3AE67419735}"/>
+              </a:ext>
+            </a:extLst>
+          </p:cNvPr>
+          <p:cNvSpPr/>
+          <p:nvPr/>
+        </p:nvSpPr>
+        <p:spPr>
+          <a:xfrm>
+            <a:off x="8409151" y="3740287"/>
+            <a:ext cx="2738284" cy="746625"/>
+          </a:xfrm>
+          <a:prstGeom prst="borderCallout1">
+            <a:avLst>
+              <a:gd name="adj1" fmla="val 18750"/>
+              <a:gd name="adj2" fmla="val -8333"/>
+              <a:gd name="adj3" fmla="val 26813"/>
+              <a:gd name="adj4" fmla="val -129838"/>
+            </a:avLst>
+          </a:prstGeom>
+        </p:spPr>
+        <p:style>
+          <a:lnRef idx="2">
+            <a:schemeClr val="accent1">
+              <a:shade val="50000"/>
+            </a:schemeClr>
+          </a:lnRef>
+          <a:fillRef idx="1">
+            <a:schemeClr val="accent1"/>
+          </a:fillRef>
+          <a:effectRef idx="0">
+            <a:schemeClr val="accent1"/>
+          </a:effectRef>
+          <a:fontRef idx="minor">
+            <a:schemeClr val="lt1"/>
+          </a:fontRef>
+        </p:style>
+        <p:txBody>
+          <a:bodyPr rtlCol="0" anchor="ctr"/>
+          <a:lstStyle/>
+          <a:p>
+            <a:pPr algn="ctr"/>
+            <a:r>
+              <a:rPr lang="en-US" dirty="0"/>
+              <a:t>A handler transforms the code</a:t>
+            </a:r>
+          </a:p>
+        </p:txBody>
+      </p:sp>
+      <p:sp>
+        <p:nvSpPr>
+          <p:cNvPr id="9" name="Line Callout 1 8">
+            <a:extLst>
+              <a:ext uri="{FF2B5EF4-FFF2-40B4-BE49-F238E27FC236}">
+                <a16:creationId xmlns:a16="http://schemas.microsoft.com/office/drawing/2014/main" id="{DC61EC71-84C5-6182-271D-81CA1E3D88A2}"/>
+              </a:ext>
+            </a:extLst>
+          </p:cNvPr>
+          <p:cNvSpPr/>
+          <p:nvPr/>
+        </p:nvSpPr>
+        <p:spPr>
+          <a:xfrm>
+            <a:off x="8409151" y="5043738"/>
+            <a:ext cx="2738284" cy="746625"/>
+          </a:xfrm>
+          <a:prstGeom prst="borderCallout1">
+            <a:avLst>
+              <a:gd name="adj1" fmla="val 18750"/>
+              <a:gd name="adj2" fmla="val -8333"/>
+              <a:gd name="adj3" fmla="val -98796"/>
+              <a:gd name="adj4" fmla="val -155406"/>
+            </a:avLst>
+          </a:prstGeom>
+        </p:spPr>
+        <p:style>
+          <a:lnRef idx="2">
+            <a:schemeClr val="accent1">
+              <a:shade val="50000"/>
+            </a:schemeClr>
+          </a:lnRef>
+          <a:fillRef idx="1">
+            <a:schemeClr val="accent1"/>
+          </a:fillRef>
+          <a:effectRef idx="0">
+            <a:schemeClr val="accent1"/>
+          </a:effectRef>
+          <a:fontRef idx="minor">
+            <a:schemeClr val="lt1"/>
+          </a:fontRef>
+        </p:style>
+        <p:txBody>
+          <a:bodyPr rtlCol="0" anchor="ctr"/>
+          <a:lstStyle/>
+          <a:p>
+            <a:pPr algn="ctr"/>
+            <a:r>
+              <a:rPr lang="en-US" dirty="0"/>
+              <a:t>We forward on the out port</a:t>
+            </a:r>
+          </a:p>
+        </p:txBody>
+      </p:sp>
+    </p:spTree>
+    <p:extLst>
+      <p:ext uri="{BB962C8B-B14F-4D97-AF65-F5344CB8AC3E}">
+        <p14:creationId xmlns:p14="http://schemas.microsoft.com/office/powerpoint/2010/main" val="2434433356"/>
       </p:ext>
     </p:extLst>
   </p:cSld>
